--- a/Presentation/Presentation1.pptx
+++ b/Presentation/Presentation1.pptx
@@ -5,10 +5,10 @@
     <p:sldMasterId id="2147483660" r:id="rId4"/>
   </p:sldMasterIdLst>
   <p:notesMasterIdLst>
-    <p:notesMasterId r:id="rId18"/>
+    <p:notesMasterId r:id="rId34"/>
   </p:notesMasterIdLst>
   <p:handoutMasterIdLst>
-    <p:handoutMasterId r:id="rId19"/>
+    <p:handoutMasterId r:id="rId35"/>
   </p:handoutMasterIdLst>
   <p:sldIdLst>
     <p:sldId id="257" r:id="rId5"/>
@@ -24,6 +24,22 @@
     <p:sldId id="267" r:id="rId15"/>
     <p:sldId id="268" r:id="rId16"/>
     <p:sldId id="269" r:id="rId17"/>
+    <p:sldId id="270" r:id="rId18"/>
+    <p:sldId id="271" r:id="rId19"/>
+    <p:sldId id="272" r:id="rId20"/>
+    <p:sldId id="273" r:id="rId21"/>
+    <p:sldId id="274" r:id="rId22"/>
+    <p:sldId id="275" r:id="rId23"/>
+    <p:sldId id="278" r:id="rId24"/>
+    <p:sldId id="276" r:id="rId25"/>
+    <p:sldId id="277" r:id="rId26"/>
+    <p:sldId id="279" r:id="rId27"/>
+    <p:sldId id="280" r:id="rId28"/>
+    <p:sldId id="281" r:id="rId29"/>
+    <p:sldId id="282" r:id="rId30"/>
+    <p:sldId id="283" r:id="rId31"/>
+    <p:sldId id="284" r:id="rId32"/>
+    <p:sldId id="285" r:id="rId33"/>
   </p:sldIdLst>
   <p:sldSz cx="12188825" cy="6858000"/>
   <p:notesSz cx="6858000" cy="9144000"/>
@@ -5488,8 +5504,8 @@
         </p:blipFill>
         <p:spPr>
           <a:xfrm>
-            <a:off x="2146374" y="68263"/>
-            <a:ext cx="8700939" cy="6721475"/>
+            <a:off x="3112281" y="93914"/>
+            <a:ext cx="5748237" cy="4440513"/>
           </a:xfrm>
           <a:prstGeom prst="rect">
             <a:avLst/>
@@ -5497,10 +5513,729 @@
           <a:noFill/>
         </p:spPr>
       </p:pic>
+      <p:pic>
+        <p:nvPicPr>
+          <p:cNvPr id="7" name="Picture 6" descr="Text&#10;&#10;Description automatically generated with medium confidence">
+            <a:extLst>
+              <a:ext uri="{FF2B5EF4-FFF2-40B4-BE49-F238E27FC236}">
+                <a16:creationId xmlns:a16="http://schemas.microsoft.com/office/drawing/2014/main" id="{9E8344C1-ABF1-F545-B48F-6A8AB2CADD66}"/>
+              </a:ext>
+            </a:extLst>
+          </p:cNvPr>
+          <p:cNvPicPr>
+            <a:picLocks noChangeAspect="1"/>
+          </p:cNvPicPr>
+          <p:nvPr/>
+        </p:nvPicPr>
+        <p:blipFill>
+          <a:blip r:embed="rId3">
+            <a:extLst>
+              <a:ext uri="{28A0092B-C50C-407E-A947-70E740481C1C}">
+                <a14:useLocalDpi xmlns:a14="http://schemas.microsoft.com/office/drawing/2010/main" val="0"/>
+              </a:ext>
+            </a:extLst>
+          </a:blip>
+          <a:stretch>
+            <a:fillRect/>
+          </a:stretch>
+        </p:blipFill>
+        <p:spPr>
+          <a:xfrm>
+            <a:off x="2061964" y="4690095"/>
+            <a:ext cx="7848872" cy="2087747"/>
+          </a:xfrm>
+          <a:prstGeom prst="rect">
+            <a:avLst/>
+          </a:prstGeom>
+        </p:spPr>
+      </p:pic>
     </p:spTree>
     <p:extLst>
       <p:ext uri="{BB962C8B-B14F-4D97-AF65-F5344CB8AC3E}">
         <p14:creationId xmlns:p14="http://schemas.microsoft.com/office/powerpoint/2010/main" val="3420760545"/>
+      </p:ext>
+    </p:extLst>
+  </p:cSld>
+  <p:clrMapOvr>
+    <a:masterClrMapping/>
+  </p:clrMapOvr>
+  <mc:AlternateContent xmlns:mc="http://schemas.openxmlformats.org/markup-compatibility/2006" xmlns:p14="http://schemas.microsoft.com/office/powerpoint/2010/main">
+    <mc:Choice Requires="p14">
+      <p:transition spd="med" p14:dur="700">
+        <p:fade/>
+      </p:transition>
+    </mc:Choice>
+    <mc:Fallback xmlns="">
+      <p:transition spd="med">
+        <p:fade/>
+      </p:transition>
+    </mc:Fallback>
+  </mc:AlternateContent>
+</p:sld>
+</file>
+
+<file path=ppt/slides/slide14.xml><?xml version="1.0" encoding="utf-8"?>
+<p:sld xmlns:a="http://schemas.openxmlformats.org/drawingml/2006/main" xmlns:r="http://schemas.openxmlformats.org/officeDocument/2006/relationships" xmlns:p="http://schemas.openxmlformats.org/presentationml/2006/main">
+  <p:cSld>
+    <p:spTree>
+      <p:nvGrpSpPr>
+        <p:cNvPr id="1" name=""/>
+        <p:cNvGrpSpPr/>
+        <p:nvPr/>
+      </p:nvGrpSpPr>
+      <p:grpSpPr>
+        <a:xfrm>
+          <a:off x="0" y="0"/>
+          <a:ext cx="0" cy="0"/>
+          <a:chOff x="0" y="0"/>
+          <a:chExt cx="0" cy="0"/>
+        </a:xfrm>
+      </p:grpSpPr>
+      <p:sp>
+        <p:nvSpPr>
+          <p:cNvPr id="2" name="Title 1">
+            <a:extLst>
+              <a:ext uri="{FF2B5EF4-FFF2-40B4-BE49-F238E27FC236}">
+                <a16:creationId xmlns:a16="http://schemas.microsoft.com/office/drawing/2014/main" id="{933DF681-19FF-3F40-8A58-6BE394E98790}"/>
+              </a:ext>
+            </a:extLst>
+          </p:cNvPr>
+          <p:cNvSpPr>
+            <a:spLocks noGrp="1"/>
+          </p:cNvSpPr>
+          <p:nvPr>
+            <p:ph type="title"/>
+          </p:nvPr>
+        </p:nvSpPr>
+        <p:spPr/>
+        <p:txBody>
+          <a:bodyPr/>
+          <a:lstStyle/>
+          <a:p>
+            <a:r>
+              <a:rPr lang="az-Latn-AZ" dirty="0"/>
+              <a:t>Interpolation search</a:t>
+            </a:r>
+          </a:p>
+        </p:txBody>
+      </p:sp>
+      <p:sp>
+        <p:nvSpPr>
+          <p:cNvPr id="3" name="Content Placeholder 2">
+            <a:extLst>
+              <a:ext uri="{FF2B5EF4-FFF2-40B4-BE49-F238E27FC236}">
+                <a16:creationId xmlns:a16="http://schemas.microsoft.com/office/drawing/2014/main" id="{DF6AEFA5-3A70-2B44-A800-339FEE7D885D}"/>
+              </a:ext>
+            </a:extLst>
+          </p:cNvPr>
+          <p:cNvSpPr>
+            <a:spLocks noGrp="1"/>
+          </p:cNvSpPr>
+          <p:nvPr>
+            <p:ph idx="1"/>
+          </p:nvPr>
+        </p:nvSpPr>
+        <p:spPr/>
+        <p:txBody>
+          <a:bodyPr>
+            <a:normAutofit lnSpcReduction="10000"/>
+          </a:bodyPr>
+          <a:lstStyle/>
+          <a:p>
+            <a:r>
+              <a:rPr lang="az-Latn-AZ" dirty="0"/>
+              <a:t>Sıralı bir massivdə axtarış etmək üçün istifadə edilən alqoritmlərdən biridir. Bu bir növ massivdəki dəyərlərin bərabər paylandığı nümunələr üçün Binary search üzərində edilmiş təkmilləşdirmədir. Binary search həmişə yoxlamaq üçün ortadakı elementə keçərkən, Interpolation search axtarılan açarın dəyərinə görə müxtəlif yerlərə gedə bilər. Məsələn; açarın dəyəri sonuncu elementə yaxındırsa, interpolasiya axtarışı çox güman ki o tərəfə(end side) doğru axtarışa başlayacaq.</a:t>
+            </a:r>
+          </a:p>
+          <a:p>
+            <a:r>
+              <a:rPr lang="az-Latn-AZ" dirty="0"/>
+              <a:t>Time complexity:</a:t>
+            </a:r>
+          </a:p>
+          <a:p>
+            <a:pPr marL="0" indent="0">
+              <a:buNone/>
+            </a:pPr>
+            <a:r>
+              <a:rPr lang="az-Latn-AZ" dirty="0"/>
+              <a:t>Uniformly distributed olduqda(bərabər paylandıqda) O(log log n), worst-case üçün O(n)</a:t>
+            </a:r>
+          </a:p>
+        </p:txBody>
+      </p:sp>
+    </p:spTree>
+    <p:extLst>
+      <p:ext uri="{BB962C8B-B14F-4D97-AF65-F5344CB8AC3E}">
+        <p14:creationId xmlns:p14="http://schemas.microsoft.com/office/powerpoint/2010/main" val="3067068469"/>
+      </p:ext>
+    </p:extLst>
+  </p:cSld>
+  <p:clrMapOvr>
+    <a:masterClrMapping/>
+  </p:clrMapOvr>
+  <mc:AlternateContent xmlns:mc="http://schemas.openxmlformats.org/markup-compatibility/2006" xmlns:p14="http://schemas.microsoft.com/office/powerpoint/2010/main">
+    <mc:Choice Requires="p14">
+      <p:transition spd="med" p14:dur="700">
+        <p:fade/>
+      </p:transition>
+    </mc:Choice>
+    <mc:Fallback xmlns="">
+      <p:transition spd="med">
+        <p:fade/>
+      </p:transition>
+    </mc:Fallback>
+  </mc:AlternateContent>
+</p:sld>
+</file>
+
+<file path=ppt/slides/slide15.xml><?xml version="1.0" encoding="utf-8"?>
+<p:sld xmlns:a="http://schemas.openxmlformats.org/drawingml/2006/main" xmlns:r="http://schemas.openxmlformats.org/officeDocument/2006/relationships" xmlns:p="http://schemas.openxmlformats.org/presentationml/2006/main">
+  <p:cSld>
+    <p:spTree>
+      <p:nvGrpSpPr>
+        <p:cNvPr id="1" name=""/>
+        <p:cNvGrpSpPr/>
+        <p:nvPr/>
+      </p:nvGrpSpPr>
+      <p:grpSpPr>
+        <a:xfrm>
+          <a:off x="0" y="0"/>
+          <a:ext cx="0" cy="0"/>
+          <a:chOff x="0" y="0"/>
+          <a:chExt cx="0" cy="0"/>
+        </a:xfrm>
+      </p:grpSpPr>
+      <p:pic>
+        <p:nvPicPr>
+          <p:cNvPr id="7" name="Picture 6" descr="Diagram&#10;&#10;Description automatically generated with medium confidence">
+            <a:extLst>
+              <a:ext uri="{FF2B5EF4-FFF2-40B4-BE49-F238E27FC236}">
+                <a16:creationId xmlns:a16="http://schemas.microsoft.com/office/drawing/2014/main" id="{9703C1F4-4D80-DD4A-AB15-1ED3B851D4BC}"/>
+              </a:ext>
+            </a:extLst>
+          </p:cNvPr>
+          <p:cNvPicPr>
+            <a:picLocks noChangeAspect="1"/>
+          </p:cNvPicPr>
+          <p:nvPr/>
+        </p:nvPicPr>
+        <p:blipFill>
+          <a:blip r:embed="rId2">
+            <a:extLst>
+              <a:ext uri="{28A0092B-C50C-407E-A947-70E740481C1C}">
+                <a14:useLocalDpi xmlns:a14="http://schemas.microsoft.com/office/drawing/2010/main" val="0"/>
+              </a:ext>
+            </a:extLst>
+          </a:blip>
+          <a:stretch>
+            <a:fillRect/>
+          </a:stretch>
+        </p:blipFill>
+        <p:spPr>
+          <a:xfrm>
+            <a:off x="2621182" y="764704"/>
+            <a:ext cx="7975600" cy="1333500"/>
+          </a:xfrm>
+          <a:prstGeom prst="rect">
+            <a:avLst/>
+          </a:prstGeom>
+        </p:spPr>
+      </p:pic>
+      <p:pic>
+        <p:nvPicPr>
+          <p:cNvPr id="10" name="Picture 9" descr="Table, timeline&#10;&#10;Description automatically generated">
+            <a:extLst>
+              <a:ext uri="{FF2B5EF4-FFF2-40B4-BE49-F238E27FC236}">
+                <a16:creationId xmlns:a16="http://schemas.microsoft.com/office/drawing/2014/main" id="{31AF9BCA-9D90-0C40-9679-66E9E9548DCA}"/>
+              </a:ext>
+            </a:extLst>
+          </p:cNvPr>
+          <p:cNvPicPr>
+            <a:picLocks noChangeAspect="1"/>
+          </p:cNvPicPr>
+          <p:nvPr/>
+        </p:nvPicPr>
+        <p:blipFill>
+          <a:blip r:embed="rId3">
+            <a:extLst>
+              <a:ext uri="{28A0092B-C50C-407E-A947-70E740481C1C}">
+                <a14:useLocalDpi xmlns:a14="http://schemas.microsoft.com/office/drawing/2010/main" val="0"/>
+              </a:ext>
+            </a:extLst>
+          </a:blip>
+          <a:stretch>
+            <a:fillRect/>
+          </a:stretch>
+        </p:blipFill>
+        <p:spPr>
+          <a:xfrm>
+            <a:off x="2621182" y="2243529"/>
+            <a:ext cx="7975600" cy="2184853"/>
+          </a:xfrm>
+          <a:prstGeom prst="rect">
+            <a:avLst/>
+          </a:prstGeom>
+        </p:spPr>
+      </p:pic>
+      <p:pic>
+        <p:nvPicPr>
+          <p:cNvPr id="12" name="Picture 11" descr="Timeline&#10;&#10;Description automatically generated">
+            <a:extLst>
+              <a:ext uri="{FF2B5EF4-FFF2-40B4-BE49-F238E27FC236}">
+                <a16:creationId xmlns:a16="http://schemas.microsoft.com/office/drawing/2014/main" id="{CBF6B3B5-8263-B14F-BF3E-69C481CE274C}"/>
+              </a:ext>
+            </a:extLst>
+          </p:cNvPr>
+          <p:cNvPicPr>
+            <a:picLocks noChangeAspect="1"/>
+          </p:cNvPicPr>
+          <p:nvPr/>
+        </p:nvPicPr>
+        <p:blipFill>
+          <a:blip r:embed="rId4">
+            <a:extLst>
+              <a:ext uri="{28A0092B-C50C-407E-A947-70E740481C1C}">
+                <a14:useLocalDpi xmlns:a14="http://schemas.microsoft.com/office/drawing/2010/main" val="0"/>
+              </a:ext>
+            </a:extLst>
+          </a:blip>
+          <a:stretch>
+            <a:fillRect/>
+          </a:stretch>
+        </p:blipFill>
+        <p:spPr>
+          <a:xfrm>
+            <a:off x="2629709" y="4573707"/>
+            <a:ext cx="7975600" cy="2053965"/>
+          </a:xfrm>
+          <a:prstGeom prst="rect">
+            <a:avLst/>
+          </a:prstGeom>
+        </p:spPr>
+      </p:pic>
+    </p:spTree>
+    <p:extLst>
+      <p:ext uri="{BB962C8B-B14F-4D97-AF65-F5344CB8AC3E}">
+        <p14:creationId xmlns:p14="http://schemas.microsoft.com/office/powerpoint/2010/main" val="4166506180"/>
+      </p:ext>
+    </p:extLst>
+  </p:cSld>
+  <p:clrMapOvr>
+    <a:masterClrMapping/>
+  </p:clrMapOvr>
+  <mc:AlternateContent xmlns:mc="http://schemas.openxmlformats.org/markup-compatibility/2006" xmlns:p14="http://schemas.microsoft.com/office/powerpoint/2010/main">
+    <mc:Choice Requires="p14">
+      <p:transition spd="med" p14:dur="700">
+        <p:fade/>
+      </p:transition>
+    </mc:Choice>
+    <mc:Fallback xmlns="">
+      <p:transition spd="med">
+        <p:fade/>
+      </p:transition>
+    </mc:Fallback>
+  </mc:AlternateContent>
+</p:sld>
+</file>
+
+<file path=ppt/slides/slide16.xml><?xml version="1.0" encoding="utf-8"?>
+<p:sld xmlns:a="http://schemas.openxmlformats.org/drawingml/2006/main" xmlns:r="http://schemas.openxmlformats.org/officeDocument/2006/relationships" xmlns:p="http://schemas.openxmlformats.org/presentationml/2006/main">
+  <p:cSld>
+    <p:spTree>
+      <p:nvGrpSpPr>
+        <p:cNvPr id="1" name=""/>
+        <p:cNvGrpSpPr/>
+        <p:nvPr/>
+      </p:nvGrpSpPr>
+      <p:grpSpPr>
+        <a:xfrm>
+          <a:off x="0" y="0"/>
+          <a:ext cx="0" cy="0"/>
+          <a:chOff x="0" y="0"/>
+          <a:chExt cx="0" cy="0"/>
+        </a:xfrm>
+      </p:grpSpPr>
+      <p:pic>
+        <p:nvPicPr>
+          <p:cNvPr id="3" name="Picture 2" descr="Table, Teams&#10;&#10;Description automatically generated">
+            <a:extLst>
+              <a:ext uri="{FF2B5EF4-FFF2-40B4-BE49-F238E27FC236}">
+                <a16:creationId xmlns:a16="http://schemas.microsoft.com/office/drawing/2014/main" id="{EEFCD944-0AEB-664D-9E7C-B272E28AC364}"/>
+              </a:ext>
+            </a:extLst>
+          </p:cNvPr>
+          <p:cNvPicPr>
+            <a:picLocks noChangeAspect="1"/>
+          </p:cNvPicPr>
+          <p:nvPr/>
+        </p:nvPicPr>
+        <p:blipFill>
+          <a:blip r:embed="rId2">
+            <a:extLst>
+              <a:ext uri="{28A0092B-C50C-407E-A947-70E740481C1C}">
+                <a14:useLocalDpi xmlns:a14="http://schemas.microsoft.com/office/drawing/2010/main" val="0"/>
+              </a:ext>
+            </a:extLst>
+          </a:blip>
+          <a:stretch>
+            <a:fillRect/>
+          </a:stretch>
+        </p:blipFill>
+        <p:spPr>
+          <a:xfrm>
+            <a:off x="1989956" y="404664"/>
+            <a:ext cx="7724846" cy="2592288"/>
+          </a:xfrm>
+          <a:prstGeom prst="rect">
+            <a:avLst/>
+          </a:prstGeom>
+        </p:spPr>
+      </p:pic>
+      <p:pic>
+        <p:nvPicPr>
+          <p:cNvPr id="5" name="Picture 4" descr="Timeline&#10;&#10;Description automatically generated">
+            <a:extLst>
+              <a:ext uri="{FF2B5EF4-FFF2-40B4-BE49-F238E27FC236}">
+                <a16:creationId xmlns:a16="http://schemas.microsoft.com/office/drawing/2014/main" id="{BA2CA644-703A-F843-A38F-4C1DA318E82D}"/>
+              </a:ext>
+            </a:extLst>
+          </p:cNvPr>
+          <p:cNvPicPr>
+            <a:picLocks noChangeAspect="1"/>
+          </p:cNvPicPr>
+          <p:nvPr/>
+        </p:nvPicPr>
+        <p:blipFill>
+          <a:blip r:embed="rId3">
+            <a:extLst>
+              <a:ext uri="{28A0092B-C50C-407E-A947-70E740481C1C}">
+                <a14:useLocalDpi xmlns:a14="http://schemas.microsoft.com/office/drawing/2010/main" val="0"/>
+              </a:ext>
+            </a:extLst>
+          </a:blip>
+          <a:stretch>
+            <a:fillRect/>
+          </a:stretch>
+        </p:blipFill>
+        <p:spPr>
+          <a:xfrm>
+            <a:off x="1984231" y="3284984"/>
+            <a:ext cx="7724846" cy="2592289"/>
+          </a:xfrm>
+          <a:prstGeom prst="rect">
+            <a:avLst/>
+          </a:prstGeom>
+        </p:spPr>
+      </p:pic>
+    </p:spTree>
+    <p:extLst>
+      <p:ext uri="{BB962C8B-B14F-4D97-AF65-F5344CB8AC3E}">
+        <p14:creationId xmlns:p14="http://schemas.microsoft.com/office/powerpoint/2010/main" val="3170719078"/>
+      </p:ext>
+    </p:extLst>
+  </p:cSld>
+  <p:clrMapOvr>
+    <a:masterClrMapping/>
+  </p:clrMapOvr>
+  <mc:AlternateContent xmlns:mc="http://schemas.openxmlformats.org/markup-compatibility/2006" xmlns:p14="http://schemas.microsoft.com/office/powerpoint/2010/main">
+    <mc:Choice Requires="p14">
+      <p:transition spd="med" p14:dur="700">
+        <p:fade/>
+      </p:transition>
+    </mc:Choice>
+    <mc:Fallback xmlns="">
+      <p:transition spd="med">
+        <p:fade/>
+      </p:transition>
+    </mc:Fallback>
+  </mc:AlternateContent>
+</p:sld>
+</file>
+
+<file path=ppt/slides/slide17.xml><?xml version="1.0" encoding="utf-8"?>
+<p:sld xmlns:a="http://schemas.openxmlformats.org/drawingml/2006/main" xmlns:r="http://schemas.openxmlformats.org/officeDocument/2006/relationships" xmlns:p="http://schemas.openxmlformats.org/presentationml/2006/main">
+  <p:cSld>
+    <p:spTree>
+      <p:nvGrpSpPr>
+        <p:cNvPr id="1" name=""/>
+        <p:cNvGrpSpPr/>
+        <p:nvPr/>
+      </p:nvGrpSpPr>
+      <p:grpSpPr>
+        <a:xfrm>
+          <a:off x="0" y="0"/>
+          <a:ext cx="0" cy="0"/>
+          <a:chOff x="0" y="0"/>
+          <a:chExt cx="0" cy="0"/>
+        </a:xfrm>
+      </p:grpSpPr>
+      <p:pic>
+        <p:nvPicPr>
+          <p:cNvPr id="3" name="Picture 2" descr="Table, timeline, Teams&#10;&#10;Description automatically generated">
+            <a:extLst>
+              <a:ext uri="{FF2B5EF4-FFF2-40B4-BE49-F238E27FC236}">
+                <a16:creationId xmlns:a16="http://schemas.microsoft.com/office/drawing/2014/main" id="{E42CD45F-C136-0045-A6BD-F7E7442453FF}"/>
+              </a:ext>
+            </a:extLst>
+          </p:cNvPr>
+          <p:cNvPicPr>
+            <a:picLocks noChangeAspect="1"/>
+          </p:cNvPicPr>
+          <p:nvPr/>
+        </p:nvPicPr>
+        <p:blipFill>
+          <a:blip r:embed="rId2">
+            <a:extLst>
+              <a:ext uri="{28A0092B-C50C-407E-A947-70E740481C1C}">
+                <a14:useLocalDpi xmlns:a14="http://schemas.microsoft.com/office/drawing/2010/main" val="0"/>
+              </a:ext>
+            </a:extLst>
+          </a:blip>
+          <a:stretch>
+            <a:fillRect/>
+          </a:stretch>
+        </p:blipFill>
+        <p:spPr>
+          <a:xfrm>
+            <a:off x="436562" y="1530350"/>
+            <a:ext cx="11315700" cy="3797300"/>
+          </a:xfrm>
+          <a:prstGeom prst="rect">
+            <a:avLst/>
+          </a:prstGeom>
+        </p:spPr>
+      </p:pic>
+    </p:spTree>
+    <p:extLst>
+      <p:ext uri="{BB962C8B-B14F-4D97-AF65-F5344CB8AC3E}">
+        <p14:creationId xmlns:p14="http://schemas.microsoft.com/office/powerpoint/2010/main" val="1805632618"/>
+      </p:ext>
+    </p:extLst>
+  </p:cSld>
+  <p:clrMapOvr>
+    <a:masterClrMapping/>
+  </p:clrMapOvr>
+  <mc:AlternateContent xmlns:mc="http://schemas.openxmlformats.org/markup-compatibility/2006" xmlns:p14="http://schemas.microsoft.com/office/powerpoint/2010/main">
+    <mc:Choice Requires="p14">
+      <p:transition spd="med" p14:dur="700">
+        <p:fade/>
+      </p:transition>
+    </mc:Choice>
+    <mc:Fallback xmlns="">
+      <p:transition spd="med">
+        <p:fade/>
+      </p:transition>
+    </mc:Fallback>
+  </mc:AlternateContent>
+</p:sld>
+</file>
+
+<file path=ppt/slides/slide18.xml><?xml version="1.0" encoding="utf-8"?>
+<p:sld xmlns:a="http://schemas.openxmlformats.org/drawingml/2006/main" xmlns:r="http://schemas.openxmlformats.org/officeDocument/2006/relationships" xmlns:p="http://schemas.openxmlformats.org/presentationml/2006/main">
+  <p:cSld>
+    <p:spTree>
+      <p:nvGrpSpPr>
+        <p:cNvPr id="1" name=""/>
+        <p:cNvGrpSpPr/>
+        <p:nvPr/>
+      </p:nvGrpSpPr>
+      <p:grpSpPr>
+        <a:xfrm>
+          <a:off x="0" y="0"/>
+          <a:ext cx="0" cy="0"/>
+          <a:chOff x="0" y="0"/>
+          <a:chExt cx="0" cy="0"/>
+        </a:xfrm>
+      </p:grpSpPr>
+      <p:pic>
+        <p:nvPicPr>
+          <p:cNvPr id="3" name="Picture 2" descr="Graphical user interface, text, application&#10;&#10;Description automatically generated">
+            <a:extLst>
+              <a:ext uri="{FF2B5EF4-FFF2-40B4-BE49-F238E27FC236}">
+                <a16:creationId xmlns:a16="http://schemas.microsoft.com/office/drawing/2014/main" id="{B47CDFBE-1D28-A04B-AFF0-4B267571A4FF}"/>
+              </a:ext>
+            </a:extLst>
+          </p:cNvPr>
+          <p:cNvPicPr>
+            <a:picLocks noChangeAspect="1"/>
+          </p:cNvPicPr>
+          <p:nvPr/>
+        </p:nvPicPr>
+        <p:blipFill>
+          <a:blip r:embed="rId2">
+            <a:extLst>
+              <a:ext uri="{28A0092B-C50C-407E-A947-70E740481C1C}">
+                <a14:useLocalDpi xmlns:a14="http://schemas.microsoft.com/office/drawing/2010/main" val="0"/>
+              </a:ext>
+            </a:extLst>
+          </a:blip>
+          <a:stretch>
+            <a:fillRect/>
+          </a:stretch>
+        </p:blipFill>
+        <p:spPr>
+          <a:xfrm>
+            <a:off x="1753319" y="188640"/>
+            <a:ext cx="8682186" cy="3371534"/>
+          </a:xfrm>
+          <a:prstGeom prst="rect">
+            <a:avLst/>
+          </a:prstGeom>
+        </p:spPr>
+      </p:pic>
+      <p:pic>
+        <p:nvPicPr>
+          <p:cNvPr id="5" name="Picture 4" descr="Graphical user interface, text, application&#10;&#10;Description automatically generated">
+            <a:extLst>
+              <a:ext uri="{FF2B5EF4-FFF2-40B4-BE49-F238E27FC236}">
+                <a16:creationId xmlns:a16="http://schemas.microsoft.com/office/drawing/2014/main" id="{1FBB1E66-4DDF-2741-8C27-2BD8A4F00A63}"/>
+              </a:ext>
+            </a:extLst>
+          </p:cNvPr>
+          <p:cNvPicPr>
+            <a:picLocks noChangeAspect="1"/>
+          </p:cNvPicPr>
+          <p:nvPr/>
+        </p:nvPicPr>
+        <p:blipFill>
+          <a:blip r:embed="rId3">
+            <a:extLst>
+              <a:ext uri="{28A0092B-C50C-407E-A947-70E740481C1C}">
+                <a14:useLocalDpi xmlns:a14="http://schemas.microsoft.com/office/drawing/2010/main" val="0"/>
+              </a:ext>
+            </a:extLst>
+          </a:blip>
+          <a:stretch>
+            <a:fillRect/>
+          </a:stretch>
+        </p:blipFill>
+        <p:spPr>
+          <a:xfrm>
+            <a:off x="1629916" y="3645024"/>
+            <a:ext cx="9114234" cy="2424325"/>
+          </a:xfrm>
+          <a:prstGeom prst="rect">
+            <a:avLst/>
+          </a:prstGeom>
+        </p:spPr>
+      </p:pic>
+    </p:spTree>
+    <p:extLst>
+      <p:ext uri="{BB962C8B-B14F-4D97-AF65-F5344CB8AC3E}">
+        <p14:creationId xmlns:p14="http://schemas.microsoft.com/office/powerpoint/2010/main" val="612301375"/>
+      </p:ext>
+    </p:extLst>
+  </p:cSld>
+  <p:clrMapOvr>
+    <a:masterClrMapping/>
+  </p:clrMapOvr>
+  <mc:AlternateContent xmlns:mc="http://schemas.openxmlformats.org/markup-compatibility/2006" xmlns:p14="http://schemas.microsoft.com/office/powerpoint/2010/main">
+    <mc:Choice Requires="p14">
+      <p:transition spd="med" p14:dur="700">
+        <p:fade/>
+      </p:transition>
+    </mc:Choice>
+    <mc:Fallback xmlns="">
+      <p:transition spd="med">
+        <p:fade/>
+      </p:transition>
+    </mc:Fallback>
+  </mc:AlternateContent>
+</p:sld>
+</file>
+
+<file path=ppt/slides/slide19.xml><?xml version="1.0" encoding="utf-8"?>
+<p:sld xmlns:a="http://schemas.openxmlformats.org/drawingml/2006/main" xmlns:r="http://schemas.openxmlformats.org/officeDocument/2006/relationships" xmlns:p="http://schemas.openxmlformats.org/presentationml/2006/main">
+  <p:cSld>
+    <p:spTree>
+      <p:nvGrpSpPr>
+        <p:cNvPr id="1" name=""/>
+        <p:cNvGrpSpPr/>
+        <p:nvPr/>
+      </p:nvGrpSpPr>
+      <p:grpSpPr>
+        <a:xfrm>
+          <a:off x="0" y="0"/>
+          <a:ext cx="0" cy="0"/>
+          <a:chOff x="0" y="0"/>
+          <a:chExt cx="0" cy="0"/>
+        </a:xfrm>
+      </p:grpSpPr>
+      <p:sp>
+        <p:nvSpPr>
+          <p:cNvPr id="2" name="Title 1">
+            <a:extLst>
+              <a:ext uri="{FF2B5EF4-FFF2-40B4-BE49-F238E27FC236}">
+                <a16:creationId xmlns:a16="http://schemas.microsoft.com/office/drawing/2014/main" id="{21C2F232-6218-CB47-9998-9B5689BB46D4}"/>
+              </a:ext>
+            </a:extLst>
+          </p:cNvPr>
+          <p:cNvSpPr>
+            <a:spLocks noGrp="1"/>
+          </p:cNvSpPr>
+          <p:nvPr>
+            <p:ph type="title"/>
+          </p:nvPr>
+        </p:nvSpPr>
+        <p:spPr/>
+        <p:txBody>
+          <a:bodyPr/>
+          <a:lstStyle/>
+          <a:p>
+            <a:r>
+              <a:rPr lang="az-Latn-AZ" dirty="0"/>
+              <a:t>Exponential search</a:t>
+            </a:r>
+          </a:p>
+        </p:txBody>
+      </p:sp>
+      <p:sp>
+        <p:nvSpPr>
+          <p:cNvPr id="3" name="Content Placeholder 2">
+            <a:extLst>
+              <a:ext uri="{FF2B5EF4-FFF2-40B4-BE49-F238E27FC236}">
+                <a16:creationId xmlns:a16="http://schemas.microsoft.com/office/drawing/2014/main" id="{61DDB451-2C00-F64A-98E8-DBCD9F5FC577}"/>
+              </a:ext>
+            </a:extLst>
+          </p:cNvPr>
+          <p:cNvSpPr>
+            <a:spLocks noGrp="1"/>
+          </p:cNvSpPr>
+          <p:nvPr>
+            <p:ph idx="1"/>
+          </p:nvPr>
+        </p:nvSpPr>
+        <p:spPr/>
+        <p:txBody>
+          <a:bodyPr/>
+          <a:lstStyle/>
+          <a:p>
+            <a:r>
+              <a:rPr lang="az-Latn-AZ" dirty="0"/>
+              <a:t>Üstlü axtarış deyə başa düşə biləcəyimiz bu axtarış sistemi 2</a:t>
+            </a:r>
+            <a:r>
+              <a:rPr lang="az-Latn-AZ" baseline="30000" dirty="0"/>
+              <a:t>n</a:t>
+            </a:r>
+            <a:r>
+              <a:rPr lang="az-Latn-AZ" dirty="0"/>
+              <a:t> sıralı massivdə elementimi axtarır, hər iterasiyada müəyyən qədər elementləri skip edir. Elementin olduğu aralığı taparaq bu aralıqda Binary search edir. Time complexity O(log n)-dir.</a:t>
+            </a:r>
+          </a:p>
+          <a:p>
+            <a:r>
+              <a:rPr lang="az-Latn-AZ" dirty="0"/>
+              <a:t>Best case – O(1)</a:t>
+            </a:r>
+          </a:p>
+        </p:txBody>
+      </p:sp>
+    </p:spTree>
+    <p:extLst>
+      <p:ext uri="{BB962C8B-B14F-4D97-AF65-F5344CB8AC3E}">
+        <p14:creationId xmlns:p14="http://schemas.microsoft.com/office/powerpoint/2010/main" val="4004538210"/>
       </p:ext>
     </p:extLst>
   </p:cSld>
@@ -5635,6 +6370,1167 @@
     <p:extLst>
       <p:ext uri="{BB962C8B-B14F-4D97-AF65-F5344CB8AC3E}">
         <p14:creationId xmlns:p14="http://schemas.microsoft.com/office/powerpoint/2010/main" val="2064881316"/>
+      </p:ext>
+    </p:extLst>
+  </p:cSld>
+  <p:clrMapOvr>
+    <a:masterClrMapping/>
+  </p:clrMapOvr>
+  <mc:AlternateContent xmlns:mc="http://schemas.openxmlformats.org/markup-compatibility/2006" xmlns:p14="http://schemas.microsoft.com/office/powerpoint/2010/main">
+    <mc:Choice Requires="p14">
+      <p:transition spd="med" p14:dur="700">
+        <p:fade/>
+      </p:transition>
+    </mc:Choice>
+    <mc:Fallback xmlns="">
+      <p:transition spd="med">
+        <p:fade/>
+      </p:transition>
+    </mc:Fallback>
+  </mc:AlternateContent>
+</p:sld>
+</file>
+
+<file path=ppt/slides/slide20.xml><?xml version="1.0" encoding="utf-8"?>
+<p:sld xmlns:a="http://schemas.openxmlformats.org/drawingml/2006/main" xmlns:r="http://schemas.openxmlformats.org/officeDocument/2006/relationships" xmlns:p="http://schemas.openxmlformats.org/presentationml/2006/main">
+  <p:cSld>
+    <p:spTree>
+      <p:nvGrpSpPr>
+        <p:cNvPr id="1" name=""/>
+        <p:cNvGrpSpPr/>
+        <p:nvPr/>
+      </p:nvGrpSpPr>
+      <p:grpSpPr>
+        <a:xfrm>
+          <a:off x="0" y="0"/>
+          <a:ext cx="0" cy="0"/>
+          <a:chOff x="0" y="0"/>
+          <a:chExt cx="0" cy="0"/>
+        </a:xfrm>
+      </p:grpSpPr>
+      <p:pic>
+        <p:nvPicPr>
+          <p:cNvPr id="3" name="Picture 2" descr="A picture containing calendar&#10;&#10;Description automatically generated">
+            <a:extLst>
+              <a:ext uri="{FF2B5EF4-FFF2-40B4-BE49-F238E27FC236}">
+                <a16:creationId xmlns:a16="http://schemas.microsoft.com/office/drawing/2014/main" id="{956BF219-FE23-584D-84A7-6C9FC2DB796C}"/>
+              </a:ext>
+            </a:extLst>
+          </p:cNvPr>
+          <p:cNvPicPr>
+            <a:picLocks noChangeAspect="1"/>
+          </p:cNvPicPr>
+          <p:nvPr/>
+        </p:nvPicPr>
+        <p:blipFill>
+          <a:blip r:embed="rId2">
+            <a:extLst>
+              <a:ext uri="{28A0092B-C50C-407E-A947-70E740481C1C}">
+                <a14:useLocalDpi xmlns:a14="http://schemas.microsoft.com/office/drawing/2010/main" val="0"/>
+              </a:ext>
+            </a:extLst>
+          </a:blip>
+          <a:stretch>
+            <a:fillRect/>
+          </a:stretch>
+        </p:blipFill>
+        <p:spPr>
+          <a:xfrm>
+            <a:off x="2465505" y="130324"/>
+            <a:ext cx="7257813" cy="6597352"/>
+          </a:xfrm>
+          <a:prstGeom prst="rect">
+            <a:avLst/>
+          </a:prstGeom>
+        </p:spPr>
+      </p:pic>
+    </p:spTree>
+    <p:extLst>
+      <p:ext uri="{BB962C8B-B14F-4D97-AF65-F5344CB8AC3E}">
+        <p14:creationId xmlns:p14="http://schemas.microsoft.com/office/powerpoint/2010/main" val="61796020"/>
+      </p:ext>
+    </p:extLst>
+  </p:cSld>
+  <p:clrMapOvr>
+    <a:masterClrMapping/>
+  </p:clrMapOvr>
+  <mc:AlternateContent xmlns:mc="http://schemas.openxmlformats.org/markup-compatibility/2006" xmlns:p14="http://schemas.microsoft.com/office/powerpoint/2010/main">
+    <mc:Choice Requires="p14">
+      <p:transition spd="med" p14:dur="700">
+        <p:fade/>
+      </p:transition>
+    </mc:Choice>
+    <mc:Fallback xmlns="">
+      <p:transition spd="med">
+        <p:fade/>
+      </p:transition>
+    </mc:Fallback>
+  </mc:AlternateContent>
+</p:sld>
+</file>
+
+<file path=ppt/slides/slide21.xml><?xml version="1.0" encoding="utf-8"?>
+<p:sld xmlns:a="http://schemas.openxmlformats.org/drawingml/2006/main" xmlns:r="http://schemas.openxmlformats.org/officeDocument/2006/relationships" xmlns:p="http://schemas.openxmlformats.org/presentationml/2006/main">
+  <p:cSld>
+    <p:spTree>
+      <p:nvGrpSpPr>
+        <p:cNvPr id="1" name=""/>
+        <p:cNvGrpSpPr/>
+        <p:nvPr/>
+      </p:nvGrpSpPr>
+      <p:grpSpPr>
+        <a:xfrm>
+          <a:off x="0" y="0"/>
+          <a:ext cx="0" cy="0"/>
+          <a:chOff x="0" y="0"/>
+          <a:chExt cx="0" cy="0"/>
+        </a:xfrm>
+      </p:grpSpPr>
+      <p:pic>
+        <p:nvPicPr>
+          <p:cNvPr id="5" name="Picture 4" descr="Graphical user interface, text, application, email&#10;&#10;Description automatically generated">
+            <a:extLst>
+              <a:ext uri="{FF2B5EF4-FFF2-40B4-BE49-F238E27FC236}">
+                <a16:creationId xmlns:a16="http://schemas.microsoft.com/office/drawing/2014/main" id="{F0423D16-0E4E-D845-9647-5A9989FCF06F}"/>
+              </a:ext>
+            </a:extLst>
+          </p:cNvPr>
+          <p:cNvPicPr>
+            <a:picLocks noChangeAspect="1"/>
+          </p:cNvPicPr>
+          <p:nvPr/>
+        </p:nvPicPr>
+        <p:blipFill>
+          <a:blip r:embed="rId2">
+            <a:extLst>
+              <a:ext uri="{28A0092B-C50C-407E-A947-70E740481C1C}">
+                <a14:useLocalDpi xmlns:a14="http://schemas.microsoft.com/office/drawing/2010/main" val="0"/>
+              </a:ext>
+            </a:extLst>
+          </a:blip>
+          <a:stretch>
+            <a:fillRect/>
+          </a:stretch>
+        </p:blipFill>
+        <p:spPr>
+          <a:xfrm>
+            <a:off x="1858962" y="393700"/>
+            <a:ext cx="8470900" cy="6070600"/>
+          </a:xfrm>
+          <a:prstGeom prst="rect">
+            <a:avLst/>
+          </a:prstGeom>
+        </p:spPr>
+      </p:pic>
+    </p:spTree>
+    <p:extLst>
+      <p:ext uri="{BB962C8B-B14F-4D97-AF65-F5344CB8AC3E}">
+        <p14:creationId xmlns:p14="http://schemas.microsoft.com/office/powerpoint/2010/main" val="690161637"/>
+      </p:ext>
+    </p:extLst>
+  </p:cSld>
+  <p:clrMapOvr>
+    <a:masterClrMapping/>
+  </p:clrMapOvr>
+  <mc:AlternateContent xmlns:mc="http://schemas.openxmlformats.org/markup-compatibility/2006" xmlns:p14="http://schemas.microsoft.com/office/powerpoint/2010/main">
+    <mc:Choice Requires="p14">
+      <p:transition spd="med" p14:dur="700">
+        <p:fade/>
+      </p:transition>
+    </mc:Choice>
+    <mc:Fallback xmlns="">
+      <p:transition spd="med">
+        <p:fade/>
+      </p:transition>
+    </mc:Fallback>
+  </mc:AlternateContent>
+</p:sld>
+</file>
+
+<file path=ppt/slides/slide22.xml><?xml version="1.0" encoding="utf-8"?>
+<p:sld xmlns:a="http://schemas.openxmlformats.org/drawingml/2006/main" xmlns:r="http://schemas.openxmlformats.org/officeDocument/2006/relationships" xmlns:p="http://schemas.openxmlformats.org/presentationml/2006/main">
+  <p:cSld>
+    <p:spTree>
+      <p:nvGrpSpPr>
+        <p:cNvPr id="1" name=""/>
+        <p:cNvGrpSpPr/>
+        <p:nvPr/>
+      </p:nvGrpSpPr>
+      <p:grpSpPr>
+        <a:xfrm>
+          <a:off x="0" y="0"/>
+          <a:ext cx="0" cy="0"/>
+          <a:chOff x="0" y="0"/>
+          <a:chExt cx="0" cy="0"/>
+        </a:xfrm>
+      </p:grpSpPr>
+      <p:pic>
+        <p:nvPicPr>
+          <p:cNvPr id="7" name="Picture 6" descr="Graphical user interface, text, application&#10;&#10;Description automatically generated">
+            <a:extLst>
+              <a:ext uri="{FF2B5EF4-FFF2-40B4-BE49-F238E27FC236}">
+                <a16:creationId xmlns:a16="http://schemas.microsoft.com/office/drawing/2014/main" id="{D02A9AF2-F641-7D43-B039-9A703C1AD03E}"/>
+              </a:ext>
+            </a:extLst>
+          </p:cNvPr>
+          <p:cNvPicPr>
+            <a:picLocks noChangeAspect="1"/>
+          </p:cNvPicPr>
+          <p:nvPr/>
+        </p:nvPicPr>
+        <p:blipFill>
+          <a:blip r:embed="rId2">
+            <a:extLst>
+              <a:ext uri="{28A0092B-C50C-407E-A947-70E740481C1C}">
+                <a14:useLocalDpi xmlns:a14="http://schemas.microsoft.com/office/drawing/2010/main" val="0"/>
+              </a:ext>
+            </a:extLst>
+          </a:blip>
+          <a:stretch>
+            <a:fillRect/>
+          </a:stretch>
+        </p:blipFill>
+        <p:spPr>
+          <a:xfrm>
+            <a:off x="2782044" y="260792"/>
+            <a:ext cx="6963094" cy="6336416"/>
+          </a:xfrm>
+          <a:prstGeom prst="rect">
+            <a:avLst/>
+          </a:prstGeom>
+          <a:noFill/>
+        </p:spPr>
+      </p:pic>
+    </p:spTree>
+    <p:extLst>
+      <p:ext uri="{BB962C8B-B14F-4D97-AF65-F5344CB8AC3E}">
+        <p14:creationId xmlns:p14="http://schemas.microsoft.com/office/powerpoint/2010/main" val="1261965216"/>
+      </p:ext>
+    </p:extLst>
+  </p:cSld>
+  <p:clrMapOvr>
+    <a:masterClrMapping/>
+  </p:clrMapOvr>
+  <mc:AlternateContent xmlns:mc="http://schemas.openxmlformats.org/markup-compatibility/2006" xmlns:p14="http://schemas.microsoft.com/office/powerpoint/2010/main">
+    <mc:Choice Requires="p14">
+      <p:transition spd="med" p14:dur="700">
+        <p:fade/>
+      </p:transition>
+    </mc:Choice>
+    <mc:Fallback xmlns="">
+      <p:transition spd="med">
+        <p:fade/>
+      </p:transition>
+    </mc:Fallback>
+  </mc:AlternateContent>
+</p:sld>
+</file>
+
+<file path=ppt/slides/slide23.xml><?xml version="1.0" encoding="utf-8"?>
+<p:sld xmlns:a="http://schemas.openxmlformats.org/drawingml/2006/main" xmlns:r="http://schemas.openxmlformats.org/officeDocument/2006/relationships" xmlns:p="http://schemas.openxmlformats.org/presentationml/2006/main">
+  <p:cSld>
+    <p:spTree>
+      <p:nvGrpSpPr>
+        <p:cNvPr id="1" name=""/>
+        <p:cNvGrpSpPr/>
+        <p:nvPr/>
+      </p:nvGrpSpPr>
+      <p:grpSpPr>
+        <a:xfrm>
+          <a:off x="0" y="0"/>
+          <a:ext cx="0" cy="0"/>
+          <a:chOff x="0" y="0"/>
+          <a:chExt cx="0" cy="0"/>
+        </a:xfrm>
+      </p:grpSpPr>
+      <p:sp>
+        <p:nvSpPr>
+          <p:cNvPr id="2" name="Title 1">
+            <a:extLst>
+              <a:ext uri="{FF2B5EF4-FFF2-40B4-BE49-F238E27FC236}">
+                <a16:creationId xmlns:a16="http://schemas.microsoft.com/office/drawing/2014/main" id="{DC039B85-430A-D24A-A1FC-FEA273658A90}"/>
+              </a:ext>
+            </a:extLst>
+          </p:cNvPr>
+          <p:cNvSpPr>
+            <a:spLocks noGrp="1"/>
+          </p:cNvSpPr>
+          <p:nvPr>
+            <p:ph type="title"/>
+          </p:nvPr>
+        </p:nvSpPr>
+        <p:spPr/>
+        <p:txBody>
+          <a:bodyPr/>
+          <a:lstStyle/>
+          <a:p>
+            <a:r>
+              <a:rPr lang="az-Latn-AZ" dirty="0"/>
+              <a:t>Fibonacci search</a:t>
+            </a:r>
+          </a:p>
+        </p:txBody>
+      </p:sp>
+      <p:sp>
+        <p:nvSpPr>
+          <p:cNvPr id="3" name="Content Placeholder 2">
+            <a:extLst>
+              <a:ext uri="{FF2B5EF4-FFF2-40B4-BE49-F238E27FC236}">
+                <a16:creationId xmlns:a16="http://schemas.microsoft.com/office/drawing/2014/main" id="{F5342F6E-A2B0-BB4F-9A89-BEEC1956678D}"/>
+              </a:ext>
+            </a:extLst>
+          </p:cNvPr>
+          <p:cNvSpPr>
+            <a:spLocks noGrp="1"/>
+          </p:cNvSpPr>
+          <p:nvPr>
+            <p:ph idx="1"/>
+          </p:nvPr>
+        </p:nvSpPr>
+        <p:spPr/>
+        <p:txBody>
+          <a:bodyPr>
+            <a:normAutofit fontScale="92500" lnSpcReduction="10000"/>
+          </a:bodyPr>
+          <a:lstStyle/>
+          <a:p>
+            <a:r>
+              <a:rPr lang="az-Latn-AZ" dirty="0"/>
+              <a:t>Bu axtarış alqoritmi recursive(rekursiv) ardıcıllıq olan Fibonaççi ədədlərini istifadə edərək massiv üzərində axtarış etməkdədir. Əsas məntiqi, axtarış ediləcək massivi Fibonaççi ədədlərindən istifadə etməklə hissələrə bölməkdir. Bilirik ki, Fibonaççi ədədlərində sonrakı ədəd öncəki 2 ədədin cəminə bərabər olur: </a:t>
+            </a:r>
+          </a:p>
+          <a:p>
+            <a:pPr marL="0" indent="0">
+              <a:buNone/>
+            </a:pPr>
+            <a:r>
+              <a:rPr lang="az-Latn-AZ" dirty="0"/>
+              <a:t>F(n)=F(n-1)+F(n-2)</a:t>
+            </a:r>
+          </a:p>
+          <a:p>
+            <a:pPr marL="0" indent="0">
+              <a:buNone/>
+            </a:pPr>
+            <a:r>
+              <a:rPr lang="az-Latn-AZ" dirty="0"/>
+              <a:t>Axtardığımız elementi bu metodla tapa bilməyimiz üçün əvvəlcə həmin ədədə qədər olan Fibonaççi ədədlərini bilməyimiz gərəklidir.</a:t>
+            </a:r>
+          </a:p>
+          <a:p>
+            <a:pPr marL="0" indent="0">
+              <a:buNone/>
+            </a:pPr>
+            <a:r>
+              <a:rPr lang="az-Latn-AZ" dirty="0"/>
+              <a:t>Axtarılan ədədin ən böyük Fibonaççi ədədindən böyük və ya kiçik olması yoxlanılır. Əgər axtarılan nömrə böyükdürsə, bu dəfə ardıcıllığın əvvəlki 2 nömrəsi cari nömrə ilə toplanır və </a:t>
+            </a:r>
+          </a:p>
+        </p:txBody>
+      </p:sp>
+    </p:spTree>
+    <p:extLst>
+      <p:ext uri="{BB962C8B-B14F-4D97-AF65-F5344CB8AC3E}">
+        <p14:creationId xmlns:p14="http://schemas.microsoft.com/office/powerpoint/2010/main" val="3164668697"/>
+      </p:ext>
+    </p:extLst>
+  </p:cSld>
+  <p:clrMapOvr>
+    <a:masterClrMapping/>
+  </p:clrMapOvr>
+  <mc:AlternateContent xmlns:mc="http://schemas.openxmlformats.org/markup-compatibility/2006" xmlns:p14="http://schemas.microsoft.com/office/powerpoint/2010/main">
+    <mc:Choice Requires="p14">
+      <p:transition spd="med" p14:dur="700">
+        <p:fade/>
+      </p:transition>
+    </mc:Choice>
+    <mc:Fallback xmlns="">
+      <p:transition spd="med">
+        <p:fade/>
+      </p:transition>
+    </mc:Fallback>
+  </mc:AlternateContent>
+</p:sld>
+</file>
+
+<file path=ppt/slides/slide24.xml><?xml version="1.0" encoding="utf-8"?>
+<p:sld xmlns:a="http://schemas.openxmlformats.org/drawingml/2006/main" xmlns:r="http://schemas.openxmlformats.org/officeDocument/2006/relationships" xmlns:p="http://schemas.openxmlformats.org/presentationml/2006/main">
+  <p:cSld>
+    <p:spTree>
+      <p:nvGrpSpPr>
+        <p:cNvPr id="1" name=""/>
+        <p:cNvGrpSpPr/>
+        <p:nvPr/>
+      </p:nvGrpSpPr>
+      <p:grpSpPr>
+        <a:xfrm>
+          <a:off x="0" y="0"/>
+          <a:ext cx="0" cy="0"/>
+          <a:chOff x="0" y="0"/>
+          <a:chExt cx="0" cy="0"/>
+        </a:xfrm>
+      </p:grpSpPr>
+      <p:sp>
+        <p:nvSpPr>
+          <p:cNvPr id="2" name="Title 1">
+            <a:extLst>
+              <a:ext uri="{FF2B5EF4-FFF2-40B4-BE49-F238E27FC236}">
+                <a16:creationId xmlns:a16="http://schemas.microsoft.com/office/drawing/2014/main" id="{AA24BFEA-ED64-BD45-82ED-C16487636B69}"/>
+              </a:ext>
+            </a:extLst>
+          </p:cNvPr>
+          <p:cNvSpPr>
+            <a:spLocks noGrp="1"/>
+          </p:cNvSpPr>
+          <p:nvPr>
+            <p:ph type="title"/>
+          </p:nvPr>
+        </p:nvSpPr>
+        <p:spPr/>
+        <p:txBody>
+          <a:bodyPr/>
+          <a:lstStyle/>
+          <a:p>
+            <a:r>
+              <a:rPr lang="az-Latn-AZ" dirty="0"/>
+              <a:t>Fibonacci search</a:t>
+            </a:r>
+          </a:p>
+        </p:txBody>
+      </p:sp>
+      <p:sp>
+        <p:nvSpPr>
+          <p:cNvPr id="3" name="Content Placeholder 2">
+            <a:extLst>
+              <a:ext uri="{FF2B5EF4-FFF2-40B4-BE49-F238E27FC236}">
+                <a16:creationId xmlns:a16="http://schemas.microsoft.com/office/drawing/2014/main" id="{F5303E7A-4BFA-F742-9994-4ECB4EAB0EED}"/>
+              </a:ext>
+            </a:extLst>
+          </p:cNvPr>
+          <p:cNvSpPr>
+            <a:spLocks noGrp="1"/>
+          </p:cNvSpPr>
+          <p:nvPr>
+            <p:ph idx="1"/>
+          </p:nvPr>
+        </p:nvSpPr>
+        <p:spPr/>
+        <p:txBody>
+          <a:bodyPr/>
+          <a:lstStyle/>
+          <a:p>
+            <a:r>
+              <a:rPr lang="az-Latn-AZ" dirty="0"/>
+              <a:t>Başqa sözlə, Fibonaççi ədədləri arasındakı interval ardıcıllıqdakı hər nömrə ilə artır. Fibonacci axtarışı isə bu tapşırığı tərsinə çevirir və diapazonu ən böyükdən ən kiçiyə qədər daraltmaqla axtarış həyata keçirir. Nəhayət, intervalda yalnız 1 element olduqda, elementimiz tapılır (yaxud o ardıcıllıqda deyilsə, orda yerləşmədiyi başa düşülür).</a:t>
+            </a:r>
+          </a:p>
+          <a:p>
+            <a:r>
+              <a:rPr lang="az-Latn-AZ" dirty="0"/>
+              <a:t>Bu axtarış alqoritmi Parçala və Hökm sür(Divide and Conquer) yanaşması ilə çalışır. Time complexity-si O (log n) oxşar axtarış metodu olan binar axtarış ilə eyni alqoritm mürəkkəbliyinə malikdir, lakin riyazi tədqiqatlarda Fibonaççi axtarışının daha sürətli olduğu göstərilmişdir.</a:t>
+            </a:r>
+          </a:p>
+        </p:txBody>
+      </p:sp>
+    </p:spTree>
+    <p:extLst>
+      <p:ext uri="{BB962C8B-B14F-4D97-AF65-F5344CB8AC3E}">
+        <p14:creationId xmlns:p14="http://schemas.microsoft.com/office/powerpoint/2010/main" val="3042204642"/>
+      </p:ext>
+    </p:extLst>
+  </p:cSld>
+  <p:clrMapOvr>
+    <a:masterClrMapping/>
+  </p:clrMapOvr>
+  <mc:AlternateContent xmlns:mc="http://schemas.openxmlformats.org/markup-compatibility/2006" xmlns:p14="http://schemas.microsoft.com/office/powerpoint/2010/main">
+    <mc:Choice Requires="p14">
+      <p:transition spd="med" p14:dur="700">
+        <p:fade/>
+      </p:transition>
+    </mc:Choice>
+    <mc:Fallback xmlns="">
+      <p:transition spd="med">
+        <p:fade/>
+      </p:transition>
+    </mc:Fallback>
+  </mc:AlternateContent>
+</p:sld>
+</file>
+
+<file path=ppt/slides/slide25.xml><?xml version="1.0" encoding="utf-8"?>
+<p:sld xmlns:a="http://schemas.openxmlformats.org/drawingml/2006/main" xmlns:r="http://schemas.openxmlformats.org/officeDocument/2006/relationships" xmlns:p="http://schemas.openxmlformats.org/presentationml/2006/main">
+  <p:cSld>
+    <p:spTree>
+      <p:nvGrpSpPr>
+        <p:cNvPr id="1" name=""/>
+        <p:cNvGrpSpPr/>
+        <p:nvPr/>
+      </p:nvGrpSpPr>
+      <p:grpSpPr>
+        <a:xfrm>
+          <a:off x="0" y="0"/>
+          <a:ext cx="0" cy="0"/>
+          <a:chOff x="0" y="0"/>
+          <a:chExt cx="0" cy="0"/>
+        </a:xfrm>
+      </p:grpSpPr>
+      <p:pic>
+        <p:nvPicPr>
+          <p:cNvPr id="3" name="Picture 2" descr="Graphical user interface, text, application, Word&#10;&#10;Description automatically generated">
+            <a:extLst>
+              <a:ext uri="{FF2B5EF4-FFF2-40B4-BE49-F238E27FC236}">
+                <a16:creationId xmlns:a16="http://schemas.microsoft.com/office/drawing/2014/main" id="{80540D72-B6E1-1745-9DBB-952A040BAFB3}"/>
+              </a:ext>
+            </a:extLst>
+          </p:cNvPr>
+          <p:cNvPicPr>
+            <a:picLocks noChangeAspect="1"/>
+          </p:cNvPicPr>
+          <p:nvPr/>
+        </p:nvPicPr>
+        <p:blipFill>
+          <a:blip r:embed="rId2">
+            <a:extLst>
+              <a:ext uri="{28A0092B-C50C-407E-A947-70E740481C1C}">
+                <a14:useLocalDpi xmlns:a14="http://schemas.microsoft.com/office/drawing/2010/main" val="0"/>
+              </a:ext>
+            </a:extLst>
+          </a:blip>
+          <a:stretch>
+            <a:fillRect/>
+          </a:stretch>
+        </p:blipFill>
+        <p:spPr>
+          <a:xfrm>
+            <a:off x="187396" y="764704"/>
+            <a:ext cx="11814031" cy="3059109"/>
+          </a:xfrm>
+          <a:prstGeom prst="rect">
+            <a:avLst/>
+          </a:prstGeom>
+        </p:spPr>
+      </p:pic>
+      <p:sp>
+        <p:nvSpPr>
+          <p:cNvPr id="4" name="TextBox 3">
+            <a:extLst>
+              <a:ext uri="{FF2B5EF4-FFF2-40B4-BE49-F238E27FC236}">
+                <a16:creationId xmlns:a16="http://schemas.microsoft.com/office/drawing/2014/main" id="{3569CA25-558B-1044-8B6E-3493E92257E2}"/>
+              </a:ext>
+            </a:extLst>
+          </p:cNvPr>
+          <p:cNvSpPr txBox="1"/>
+          <p:nvPr/>
+        </p:nvSpPr>
+        <p:spPr>
+          <a:xfrm>
+            <a:off x="187396" y="4077072"/>
+            <a:ext cx="11814031" cy="1569660"/>
+          </a:xfrm>
+          <a:prstGeom prst="rect">
+            <a:avLst/>
+          </a:prstGeom>
+          <a:noFill/>
+        </p:spPr>
+        <p:txBody>
+          <a:bodyPr wrap="square" rtlCol="0">
+            <a:spAutoFit/>
+          </a:bodyPr>
+          <a:lstStyle/>
+          <a:p>
+            <a:r>
+              <a:rPr lang="en-US" b="1" dirty="0"/>
+              <a:t>Time Complexity analysis:</a:t>
+            </a:r>
+            <a:r>
+              <a:rPr lang="en-US" dirty="0"/>
+              <a:t> </a:t>
+            </a:r>
+          </a:p>
+          <a:p>
+            <a:r>
+              <a:rPr lang="en-US" dirty="0" err="1"/>
+              <a:t>Ən</a:t>
+            </a:r>
+            <a:r>
+              <a:rPr lang="en-US" dirty="0"/>
+              <a:t> </a:t>
+            </a:r>
+            <a:r>
+              <a:rPr lang="en-US" dirty="0" err="1"/>
+              <a:t>pis</a:t>
+            </a:r>
+            <a:r>
+              <a:rPr lang="en-US" dirty="0"/>
+              <a:t> </a:t>
+            </a:r>
+            <a:r>
+              <a:rPr lang="en-US" dirty="0" err="1"/>
+              <a:t>vəziyyət</a:t>
+            </a:r>
+            <a:r>
+              <a:rPr lang="en-US" dirty="0"/>
+              <a:t>(worst case), </a:t>
+            </a:r>
+            <a:r>
+              <a:rPr lang="en-US" dirty="0" err="1"/>
+              <a:t>hədəfimizi</a:t>
+            </a:r>
+            <a:r>
+              <a:rPr lang="en-US" dirty="0"/>
+              <a:t> </a:t>
+            </a:r>
+            <a:r>
+              <a:rPr lang="en-US" dirty="0" err="1"/>
+              <a:t>tapmağa</a:t>
+            </a:r>
+            <a:r>
+              <a:rPr lang="en-US" dirty="0"/>
+              <a:t> </a:t>
+            </a:r>
+            <a:r>
+              <a:rPr lang="en-US" dirty="0" err="1"/>
+              <a:t>davam</a:t>
+            </a:r>
+            <a:r>
+              <a:rPr lang="en-US" dirty="0"/>
+              <a:t> </a:t>
+            </a:r>
+            <a:r>
+              <a:rPr lang="en-US" dirty="0" err="1"/>
+              <a:t>etdikcə</a:t>
+            </a:r>
+            <a:r>
+              <a:rPr lang="en-US" dirty="0"/>
+              <a:t> </a:t>
+            </a:r>
+            <a:r>
+              <a:rPr lang="en-US" dirty="0" err="1"/>
+              <a:t>massivin</a:t>
+            </a:r>
+            <a:r>
+              <a:rPr lang="en-US" dirty="0"/>
+              <a:t> </a:t>
+            </a:r>
+            <a:r>
+              <a:rPr lang="en-US" dirty="0" err="1"/>
+              <a:t>daha</a:t>
+            </a:r>
+            <a:r>
+              <a:rPr lang="en-US" dirty="0"/>
+              <a:t> </a:t>
+            </a:r>
+            <a:r>
+              <a:rPr lang="en-US" dirty="0" err="1"/>
+              <a:t>böyük</a:t>
+            </a:r>
+            <a:r>
+              <a:rPr lang="en-US" dirty="0"/>
+              <a:t> (2/3) </a:t>
+            </a:r>
+            <a:r>
+              <a:rPr lang="en-US" dirty="0" err="1"/>
+              <a:t>hissəsində</a:t>
+            </a:r>
+            <a:r>
+              <a:rPr lang="en-US" dirty="0"/>
+              <a:t> </a:t>
+            </a:r>
+            <a:r>
+              <a:rPr lang="en-US" dirty="0" err="1"/>
+              <a:t>olduqda</a:t>
+            </a:r>
+            <a:r>
+              <a:rPr lang="en-US" dirty="0"/>
+              <a:t> </a:t>
+            </a:r>
+            <a:r>
+              <a:rPr lang="en-US" dirty="0" err="1"/>
+              <a:t>baş</a:t>
+            </a:r>
+            <a:r>
+              <a:rPr lang="en-US" dirty="0"/>
+              <a:t> </a:t>
+            </a:r>
+            <a:r>
+              <a:rPr lang="en-US" dirty="0" err="1"/>
+              <a:t>verəcəkdir</a:t>
+            </a:r>
+            <a:r>
+              <a:rPr lang="en-US" dirty="0"/>
+              <a:t>. </a:t>
+            </a:r>
+            <a:r>
+              <a:rPr lang="en-US" dirty="0" err="1"/>
+              <a:t>Başqa</a:t>
+            </a:r>
+            <a:r>
+              <a:rPr lang="en-US" dirty="0"/>
+              <a:t> </a:t>
+            </a:r>
+            <a:r>
+              <a:rPr lang="en-US" dirty="0" err="1"/>
+              <a:t>sözlə</a:t>
+            </a:r>
+            <a:r>
+              <a:rPr lang="en-US" dirty="0"/>
+              <a:t>, biz </a:t>
+            </a:r>
+            <a:r>
+              <a:rPr lang="en-US" dirty="0" err="1"/>
+              <a:t>hər</a:t>
+            </a:r>
+            <a:r>
+              <a:rPr lang="en-US" dirty="0"/>
+              <a:t> </a:t>
+            </a:r>
+            <a:r>
+              <a:rPr lang="en-US" dirty="0" err="1"/>
+              <a:t>dəfə</a:t>
+            </a:r>
+            <a:r>
+              <a:rPr lang="en-US" dirty="0"/>
+              <a:t> </a:t>
+            </a:r>
+            <a:r>
+              <a:rPr lang="en-US" dirty="0" err="1"/>
+              <a:t>massivin</a:t>
+            </a:r>
+            <a:r>
+              <a:rPr lang="en-US" dirty="0"/>
+              <a:t> </a:t>
+            </a:r>
+            <a:r>
+              <a:rPr lang="en-US" dirty="0" err="1"/>
+              <a:t>kiçik</a:t>
+            </a:r>
+            <a:r>
+              <a:rPr lang="en-US" dirty="0"/>
+              <a:t> </a:t>
+            </a:r>
+            <a:r>
+              <a:rPr lang="en-US" dirty="0" err="1"/>
+              <a:t>yəni</a:t>
+            </a:r>
+            <a:r>
+              <a:rPr lang="en-US" dirty="0"/>
+              <a:t>, (1/3) </a:t>
+            </a:r>
+            <a:r>
+              <a:rPr lang="en-US" dirty="0" err="1"/>
+              <a:t>hissəsini</a:t>
+            </a:r>
+            <a:r>
+              <a:rPr lang="en-US" dirty="0"/>
+              <a:t> </a:t>
+            </a:r>
+            <a:r>
+              <a:rPr lang="en-US" dirty="0" err="1"/>
+              <a:t>aradan</a:t>
+            </a:r>
+            <a:r>
+              <a:rPr lang="en-US" dirty="0"/>
+              <a:t> </a:t>
+            </a:r>
+            <a:r>
+              <a:rPr lang="en-US" dirty="0" err="1"/>
+              <a:t>qaldırırıq</a:t>
+            </a:r>
+            <a:r>
+              <a:rPr lang="en-US" dirty="0"/>
+              <a:t>. Biz n </a:t>
+            </a:r>
+            <a:r>
+              <a:rPr lang="en-US" dirty="0" err="1"/>
+              <a:t>üçün</a:t>
+            </a:r>
+            <a:r>
+              <a:rPr lang="en-US" dirty="0"/>
+              <a:t> </a:t>
+            </a:r>
+            <a:r>
+              <a:rPr lang="en-US" dirty="0" err="1"/>
+              <a:t>bir</a:t>
+            </a:r>
+            <a:r>
+              <a:rPr lang="en-US" dirty="0"/>
+              <a:t> </a:t>
+            </a:r>
+            <a:r>
+              <a:rPr lang="en-US" dirty="0" err="1"/>
+              <a:t>dəfə</a:t>
+            </a:r>
+            <a:r>
+              <a:rPr lang="en-US" dirty="0"/>
+              <a:t> </a:t>
+            </a:r>
+            <a:r>
+              <a:rPr lang="en-US" dirty="0" err="1"/>
+              <a:t>çağırırıq</a:t>
+            </a:r>
+            <a:r>
+              <a:rPr lang="en-US" dirty="0"/>
+              <a:t>, </a:t>
+            </a:r>
+            <a:r>
+              <a:rPr lang="en-US" dirty="0" err="1"/>
+              <a:t>sonra</a:t>
+            </a:r>
+            <a:r>
+              <a:rPr lang="en-US" dirty="0"/>
+              <a:t> (2/3) n </a:t>
+            </a:r>
+            <a:r>
+              <a:rPr lang="en-US" dirty="0" err="1"/>
+              <a:t>üçün</a:t>
+            </a:r>
+            <a:r>
+              <a:rPr lang="en-US" dirty="0"/>
+              <a:t>, </a:t>
+            </a:r>
+            <a:r>
+              <a:rPr lang="en-US" dirty="0" err="1"/>
+              <a:t>sonra</a:t>
+            </a:r>
+            <a:r>
+              <a:rPr lang="en-US" dirty="0"/>
+              <a:t> (4/9) n </a:t>
+            </a:r>
+            <a:r>
+              <a:rPr lang="en-US" dirty="0" err="1"/>
+              <a:t>üçün</a:t>
+            </a:r>
+            <a:r>
+              <a:rPr lang="en-US" dirty="0"/>
+              <a:t> </a:t>
+            </a:r>
+            <a:r>
+              <a:rPr lang="en-US" dirty="0" err="1"/>
+              <a:t>və</a:t>
+            </a:r>
+            <a:r>
+              <a:rPr lang="en-US" dirty="0"/>
+              <a:t> s.</a:t>
+            </a:r>
+            <a:endParaRPr lang="az-Latn-AZ" sz="2800" dirty="0"/>
+          </a:p>
+        </p:txBody>
+      </p:sp>
+    </p:spTree>
+    <p:extLst>
+      <p:ext uri="{BB962C8B-B14F-4D97-AF65-F5344CB8AC3E}">
+        <p14:creationId xmlns:p14="http://schemas.microsoft.com/office/powerpoint/2010/main" val="2907089121"/>
+      </p:ext>
+    </p:extLst>
+  </p:cSld>
+  <p:clrMapOvr>
+    <a:masterClrMapping/>
+  </p:clrMapOvr>
+  <mc:AlternateContent xmlns:mc="http://schemas.openxmlformats.org/markup-compatibility/2006" xmlns:p14="http://schemas.microsoft.com/office/powerpoint/2010/main">
+    <mc:Choice Requires="p14">
+      <p:transition spd="med" p14:dur="700">
+        <p:fade/>
+      </p:transition>
+    </mc:Choice>
+    <mc:Fallback xmlns="">
+      <p:transition spd="med">
+        <p:fade/>
+      </p:transition>
+    </mc:Fallback>
+  </mc:AlternateContent>
+</p:sld>
+</file>
+
+<file path=ppt/slides/slide26.xml><?xml version="1.0" encoding="utf-8"?>
+<p:sld xmlns:a="http://schemas.openxmlformats.org/drawingml/2006/main" xmlns:r="http://schemas.openxmlformats.org/officeDocument/2006/relationships" xmlns:p="http://schemas.openxmlformats.org/presentationml/2006/main">
+  <p:cSld>
+    <p:spTree>
+      <p:nvGrpSpPr>
+        <p:cNvPr id="1" name=""/>
+        <p:cNvGrpSpPr/>
+        <p:nvPr/>
+      </p:nvGrpSpPr>
+      <p:grpSpPr>
+        <a:xfrm>
+          <a:off x="0" y="0"/>
+          <a:ext cx="0" cy="0"/>
+          <a:chOff x="0" y="0"/>
+          <a:chExt cx="0" cy="0"/>
+        </a:xfrm>
+      </p:grpSpPr>
+      <p:pic>
+        <p:nvPicPr>
+          <p:cNvPr id="3" name="Picture 2" descr="Graphical user interface, text, application&#10;&#10;Description automatically generated">
+            <a:extLst>
+              <a:ext uri="{FF2B5EF4-FFF2-40B4-BE49-F238E27FC236}">
+                <a16:creationId xmlns:a16="http://schemas.microsoft.com/office/drawing/2014/main" id="{F10DD0C2-5E5D-FA42-89FD-2E7D7D58E3F4}"/>
+              </a:ext>
+            </a:extLst>
+          </p:cNvPr>
+          <p:cNvPicPr>
+            <a:picLocks noChangeAspect="1"/>
+          </p:cNvPicPr>
+          <p:nvPr/>
+        </p:nvPicPr>
+        <p:blipFill>
+          <a:blip r:embed="rId2">
+            <a:extLst>
+              <a:ext uri="{28A0092B-C50C-407E-A947-70E740481C1C}">
+                <a14:useLocalDpi xmlns:a14="http://schemas.microsoft.com/office/drawing/2010/main" val="0"/>
+              </a:ext>
+            </a:extLst>
+          </a:blip>
+          <a:stretch>
+            <a:fillRect/>
+          </a:stretch>
+        </p:blipFill>
+        <p:spPr>
+          <a:xfrm>
+            <a:off x="2570309" y="0"/>
+            <a:ext cx="7048206" cy="6858000"/>
+          </a:xfrm>
+          <a:prstGeom prst="rect">
+            <a:avLst/>
+          </a:prstGeom>
+        </p:spPr>
+      </p:pic>
+    </p:spTree>
+    <p:extLst>
+      <p:ext uri="{BB962C8B-B14F-4D97-AF65-F5344CB8AC3E}">
+        <p14:creationId xmlns:p14="http://schemas.microsoft.com/office/powerpoint/2010/main" val="3745422764"/>
+      </p:ext>
+    </p:extLst>
+  </p:cSld>
+  <p:clrMapOvr>
+    <a:masterClrMapping/>
+  </p:clrMapOvr>
+  <mc:AlternateContent xmlns:mc="http://schemas.openxmlformats.org/markup-compatibility/2006" xmlns:p14="http://schemas.microsoft.com/office/powerpoint/2010/main">
+    <mc:Choice Requires="p14">
+      <p:transition spd="med" p14:dur="700">
+        <p:fade/>
+      </p:transition>
+    </mc:Choice>
+    <mc:Fallback xmlns="">
+      <p:transition spd="med">
+        <p:fade/>
+      </p:transition>
+    </mc:Fallback>
+  </mc:AlternateContent>
+</p:sld>
+</file>
+
+<file path=ppt/slides/slide27.xml><?xml version="1.0" encoding="utf-8"?>
+<p:sld xmlns:a="http://schemas.openxmlformats.org/drawingml/2006/main" xmlns:r="http://schemas.openxmlformats.org/officeDocument/2006/relationships" xmlns:p="http://schemas.openxmlformats.org/presentationml/2006/main">
+  <p:cSld>
+    <p:spTree>
+      <p:nvGrpSpPr>
+        <p:cNvPr id="1" name=""/>
+        <p:cNvGrpSpPr/>
+        <p:nvPr/>
+      </p:nvGrpSpPr>
+      <p:grpSpPr>
+        <a:xfrm>
+          <a:off x="0" y="0"/>
+          <a:ext cx="0" cy="0"/>
+          <a:chOff x="0" y="0"/>
+          <a:chExt cx="0" cy="0"/>
+        </a:xfrm>
+      </p:grpSpPr>
+      <p:pic>
+        <p:nvPicPr>
+          <p:cNvPr id="3" name="Picture 2" descr="Text&#10;&#10;Description automatically generated with low confidence">
+            <a:extLst>
+              <a:ext uri="{FF2B5EF4-FFF2-40B4-BE49-F238E27FC236}">
+                <a16:creationId xmlns:a16="http://schemas.microsoft.com/office/drawing/2014/main" id="{C49DCC4A-56BB-524C-ABD4-06DC64EC03B0}"/>
+              </a:ext>
+            </a:extLst>
+          </p:cNvPr>
+          <p:cNvPicPr>
+            <a:picLocks noChangeAspect="1"/>
+          </p:cNvPicPr>
+          <p:nvPr/>
+        </p:nvPicPr>
+        <p:blipFill>
+          <a:blip r:embed="rId2">
+            <a:extLst>
+              <a:ext uri="{28A0092B-C50C-407E-A947-70E740481C1C}">
+                <a14:useLocalDpi xmlns:a14="http://schemas.microsoft.com/office/drawing/2010/main" val="0"/>
+              </a:ext>
+            </a:extLst>
+          </a:blip>
+          <a:stretch>
+            <a:fillRect/>
+          </a:stretch>
+        </p:blipFill>
+        <p:spPr>
+          <a:xfrm>
+            <a:off x="2320249" y="0"/>
+            <a:ext cx="7548327" cy="6858000"/>
+          </a:xfrm>
+          <a:prstGeom prst="rect">
+            <a:avLst/>
+          </a:prstGeom>
+        </p:spPr>
+      </p:pic>
+    </p:spTree>
+    <p:extLst>
+      <p:ext uri="{BB962C8B-B14F-4D97-AF65-F5344CB8AC3E}">
+        <p14:creationId xmlns:p14="http://schemas.microsoft.com/office/powerpoint/2010/main" val="888224198"/>
+      </p:ext>
+    </p:extLst>
+  </p:cSld>
+  <p:clrMapOvr>
+    <a:masterClrMapping/>
+  </p:clrMapOvr>
+  <mc:AlternateContent xmlns:mc="http://schemas.openxmlformats.org/markup-compatibility/2006" xmlns:p14="http://schemas.microsoft.com/office/powerpoint/2010/main">
+    <mc:Choice Requires="p14">
+      <p:transition spd="med" p14:dur="700">
+        <p:fade/>
+      </p:transition>
+    </mc:Choice>
+    <mc:Fallback xmlns="">
+      <p:transition spd="med">
+        <p:fade/>
+      </p:transition>
+    </mc:Fallback>
+  </mc:AlternateContent>
+</p:sld>
+</file>
+
+<file path=ppt/slides/slide28.xml><?xml version="1.0" encoding="utf-8"?>
+<p:sld xmlns:a="http://schemas.openxmlformats.org/drawingml/2006/main" xmlns:r="http://schemas.openxmlformats.org/officeDocument/2006/relationships" xmlns:p="http://schemas.openxmlformats.org/presentationml/2006/main">
+  <p:cSld>
+    <p:spTree>
+      <p:nvGrpSpPr>
+        <p:cNvPr id="1" name=""/>
+        <p:cNvGrpSpPr/>
+        <p:nvPr/>
+      </p:nvGrpSpPr>
+      <p:grpSpPr>
+        <a:xfrm>
+          <a:off x="0" y="0"/>
+          <a:ext cx="0" cy="0"/>
+          <a:chOff x="0" y="0"/>
+          <a:chExt cx="0" cy="0"/>
+        </a:xfrm>
+      </p:grpSpPr>
+      <p:pic>
+        <p:nvPicPr>
+          <p:cNvPr id="5" name="Picture 4" descr="Graphical user interface, text, application&#10;&#10;Description automatically generated">
+            <a:extLst>
+              <a:ext uri="{FF2B5EF4-FFF2-40B4-BE49-F238E27FC236}">
+                <a16:creationId xmlns:a16="http://schemas.microsoft.com/office/drawing/2014/main" id="{D3B3730B-1E87-6044-951D-113E759D5069}"/>
+              </a:ext>
+            </a:extLst>
+          </p:cNvPr>
+          <p:cNvPicPr>
+            <a:picLocks noChangeAspect="1"/>
+          </p:cNvPicPr>
+          <p:nvPr/>
+        </p:nvPicPr>
+        <p:blipFill>
+          <a:blip r:embed="rId2">
+            <a:extLst>
+              <a:ext uri="{28A0092B-C50C-407E-A947-70E740481C1C}">
+                <a14:useLocalDpi xmlns:a14="http://schemas.microsoft.com/office/drawing/2010/main" val="0"/>
+              </a:ext>
+            </a:extLst>
+          </a:blip>
+          <a:stretch>
+            <a:fillRect/>
+          </a:stretch>
+        </p:blipFill>
+        <p:spPr>
+          <a:xfrm>
+            <a:off x="1858962" y="1930400"/>
+            <a:ext cx="8470900" cy="2997200"/>
+          </a:xfrm>
+          <a:prstGeom prst="rect">
+            <a:avLst/>
+          </a:prstGeom>
+        </p:spPr>
+      </p:pic>
+    </p:spTree>
+    <p:extLst>
+      <p:ext uri="{BB962C8B-B14F-4D97-AF65-F5344CB8AC3E}">
+        <p14:creationId xmlns:p14="http://schemas.microsoft.com/office/powerpoint/2010/main" val="1524038406"/>
+      </p:ext>
+    </p:extLst>
+  </p:cSld>
+  <p:clrMapOvr>
+    <a:masterClrMapping/>
+  </p:clrMapOvr>
+  <mc:AlternateContent xmlns:mc="http://schemas.openxmlformats.org/markup-compatibility/2006" xmlns:p14="http://schemas.microsoft.com/office/powerpoint/2010/main">
+    <mc:Choice Requires="p14">
+      <p:transition spd="med" p14:dur="700">
+        <p:fade/>
+      </p:transition>
+    </mc:Choice>
+    <mc:Fallback xmlns="">
+      <p:transition spd="med">
+        <p:fade/>
+      </p:transition>
+    </mc:Fallback>
+  </mc:AlternateContent>
+</p:sld>
+</file>
+
+<file path=ppt/slides/slide29.xml><?xml version="1.0" encoding="utf-8"?>
+<p:sld xmlns:a="http://schemas.openxmlformats.org/drawingml/2006/main" xmlns:r="http://schemas.openxmlformats.org/officeDocument/2006/relationships" xmlns:p="http://schemas.openxmlformats.org/presentationml/2006/main">
+  <p:cSld>
+    <p:spTree>
+      <p:nvGrpSpPr>
+        <p:cNvPr id="1" name=""/>
+        <p:cNvGrpSpPr/>
+        <p:nvPr/>
+      </p:nvGrpSpPr>
+      <p:grpSpPr>
+        <a:xfrm>
+          <a:off x="0" y="0"/>
+          <a:ext cx="0" cy="0"/>
+          <a:chOff x="0" y="0"/>
+          <a:chExt cx="0" cy="0"/>
+        </a:xfrm>
+      </p:grpSpPr>
+      <p:sp>
+        <p:nvSpPr>
+          <p:cNvPr id="2" name="TextBox 1">
+            <a:extLst>
+              <a:ext uri="{FF2B5EF4-FFF2-40B4-BE49-F238E27FC236}">
+                <a16:creationId xmlns:a16="http://schemas.microsoft.com/office/drawing/2014/main" id="{CCB85468-6D6A-DB45-BB97-408D2FCE4867}"/>
+              </a:ext>
+            </a:extLst>
+          </p:cNvPr>
+          <p:cNvSpPr txBox="1"/>
+          <p:nvPr/>
+        </p:nvSpPr>
+        <p:spPr>
+          <a:xfrm>
+            <a:off x="5518348" y="2996952"/>
+            <a:ext cx="819455" cy="523220"/>
+          </a:xfrm>
+          <a:prstGeom prst="rect">
+            <a:avLst/>
+          </a:prstGeom>
+          <a:noFill/>
+        </p:spPr>
+        <p:txBody>
+          <a:bodyPr wrap="none" rtlCol="0">
+            <a:spAutoFit/>
+          </a:bodyPr>
+          <a:lstStyle/>
+          <a:p>
+            <a:r>
+              <a:rPr lang="az-Latn-AZ" sz="2800" dirty="0"/>
+              <a:t>SON</a:t>
+            </a:r>
+          </a:p>
+        </p:txBody>
+      </p:sp>
+    </p:spTree>
+    <p:extLst>
+      <p:ext uri="{BB962C8B-B14F-4D97-AF65-F5344CB8AC3E}">
+        <p14:creationId xmlns:p14="http://schemas.microsoft.com/office/powerpoint/2010/main" val="2268229095"/>
       </p:ext>
     </p:extLst>
   </p:cSld>
